--- a/compalgo/ps6/7.13.pptx
+++ b/compalgo/ps6/7.13.pptx
@@ -8,7 +8,7 @@
     <p:sldId id="256" r:id="rId2"/>
   </p:sldIdLst>
   <p:sldSz cx="6858000" cy="9144000" type="screen4x3"/>
-  <p:notesSz cx="6858000" cy="9144000"/>
+  <p:notesSz cx="6985000" cy="9283700"/>
   <p:defaultTextStyle>
     <a:defPPr>
       <a:defRPr lang="en-US"/>
@@ -288,7 +288,8 @@
           <a:p>
             <a:fld id="{454ADC5A-39EA-4823-B25F-B9C34A0B0CCD}" type="datetimeFigureOut">
               <a:rPr lang="en-US" smtClean="0"/>
-              <a:t>3/26/2011</a:t>
+              <a:pPr/>
+              <a:t>3/29/2011</a:t>
             </a:fld>
             <a:endParaRPr lang="en-US"/>
           </a:p>
@@ -330,6 +331,7 @@
           <a:p>
             <a:fld id="{B90E65EE-76D8-4A6F-B9D8-14D84BC5CA4E}" type="slidenum">
               <a:rPr lang="en-US" smtClean="0"/>
+              <a:pPr/>
               <a:t>‹#›</a:t>
             </a:fld>
             <a:endParaRPr lang="en-US"/>
@@ -453,7 +455,8 @@
           <a:p>
             <a:fld id="{454ADC5A-39EA-4823-B25F-B9C34A0B0CCD}" type="datetimeFigureOut">
               <a:rPr lang="en-US" smtClean="0"/>
-              <a:t>3/26/2011</a:t>
+              <a:pPr/>
+              <a:t>3/29/2011</a:t>
             </a:fld>
             <a:endParaRPr lang="en-US"/>
           </a:p>
@@ -495,6 +498,7 @@
           <a:p>
             <a:fld id="{B90E65EE-76D8-4A6F-B9D8-14D84BC5CA4E}" type="slidenum">
               <a:rPr lang="en-US" smtClean="0"/>
+              <a:pPr/>
               <a:t>‹#›</a:t>
             </a:fld>
             <a:endParaRPr lang="en-US"/>
@@ -628,7 +632,8 @@
           <a:p>
             <a:fld id="{454ADC5A-39EA-4823-B25F-B9C34A0B0CCD}" type="datetimeFigureOut">
               <a:rPr lang="en-US" smtClean="0"/>
-              <a:t>3/26/2011</a:t>
+              <a:pPr/>
+              <a:t>3/29/2011</a:t>
             </a:fld>
             <a:endParaRPr lang="en-US"/>
           </a:p>
@@ -670,6 +675,7 @@
           <a:p>
             <a:fld id="{B90E65EE-76D8-4A6F-B9D8-14D84BC5CA4E}" type="slidenum">
               <a:rPr lang="en-US" smtClean="0"/>
+              <a:pPr/>
               <a:t>‹#›</a:t>
             </a:fld>
             <a:endParaRPr lang="en-US"/>
@@ -793,7 +799,8 @@
           <a:p>
             <a:fld id="{454ADC5A-39EA-4823-B25F-B9C34A0B0CCD}" type="datetimeFigureOut">
               <a:rPr lang="en-US" smtClean="0"/>
-              <a:t>3/26/2011</a:t>
+              <a:pPr/>
+              <a:t>3/29/2011</a:t>
             </a:fld>
             <a:endParaRPr lang="en-US"/>
           </a:p>
@@ -835,6 +842,7 @@
           <a:p>
             <a:fld id="{B90E65EE-76D8-4A6F-B9D8-14D84BC5CA4E}" type="slidenum">
               <a:rPr lang="en-US" smtClean="0"/>
+              <a:pPr/>
               <a:t>‹#›</a:t>
             </a:fld>
             <a:endParaRPr lang="en-US"/>
@@ -1034,7 +1042,8 @@
           <a:p>
             <a:fld id="{454ADC5A-39EA-4823-B25F-B9C34A0B0CCD}" type="datetimeFigureOut">
               <a:rPr lang="en-US" smtClean="0"/>
-              <a:t>3/26/2011</a:t>
+              <a:pPr/>
+              <a:t>3/29/2011</a:t>
             </a:fld>
             <a:endParaRPr lang="en-US"/>
           </a:p>
@@ -1076,6 +1085,7 @@
           <a:p>
             <a:fld id="{B90E65EE-76D8-4A6F-B9D8-14D84BC5CA4E}" type="slidenum">
               <a:rPr lang="en-US" smtClean="0"/>
+              <a:pPr/>
               <a:t>‹#›</a:t>
             </a:fld>
             <a:endParaRPr lang="en-US"/>
@@ -1317,7 +1327,8 @@
           <a:p>
             <a:fld id="{454ADC5A-39EA-4823-B25F-B9C34A0B0CCD}" type="datetimeFigureOut">
               <a:rPr lang="en-US" smtClean="0"/>
-              <a:t>3/26/2011</a:t>
+              <a:pPr/>
+              <a:t>3/29/2011</a:t>
             </a:fld>
             <a:endParaRPr lang="en-US"/>
           </a:p>
@@ -1359,6 +1370,7 @@
           <a:p>
             <a:fld id="{B90E65EE-76D8-4A6F-B9D8-14D84BC5CA4E}" type="slidenum">
               <a:rPr lang="en-US" smtClean="0"/>
+              <a:pPr/>
               <a:t>‹#›</a:t>
             </a:fld>
             <a:endParaRPr lang="en-US"/>
@@ -1739,7 +1751,8 @@
           <a:p>
             <a:fld id="{454ADC5A-39EA-4823-B25F-B9C34A0B0CCD}" type="datetimeFigureOut">
               <a:rPr lang="en-US" smtClean="0"/>
-              <a:t>3/26/2011</a:t>
+              <a:pPr/>
+              <a:t>3/29/2011</a:t>
             </a:fld>
             <a:endParaRPr lang="en-US"/>
           </a:p>
@@ -1781,6 +1794,7 @@
           <a:p>
             <a:fld id="{B90E65EE-76D8-4A6F-B9D8-14D84BC5CA4E}" type="slidenum">
               <a:rPr lang="en-US" smtClean="0"/>
+              <a:pPr/>
               <a:t>‹#›</a:t>
             </a:fld>
             <a:endParaRPr lang="en-US"/>
@@ -1852,7 +1866,8 @@
           <a:p>
             <a:fld id="{454ADC5A-39EA-4823-B25F-B9C34A0B0CCD}" type="datetimeFigureOut">
               <a:rPr lang="en-US" smtClean="0"/>
-              <a:t>3/26/2011</a:t>
+              <a:pPr/>
+              <a:t>3/29/2011</a:t>
             </a:fld>
             <a:endParaRPr lang="en-US"/>
           </a:p>
@@ -1894,6 +1909,7 @@
           <a:p>
             <a:fld id="{B90E65EE-76D8-4A6F-B9D8-14D84BC5CA4E}" type="slidenum">
               <a:rPr lang="en-US" smtClean="0"/>
+              <a:pPr/>
               <a:t>‹#›</a:t>
             </a:fld>
             <a:endParaRPr lang="en-US"/>
@@ -1942,7 +1958,8 @@
           <a:p>
             <a:fld id="{454ADC5A-39EA-4823-B25F-B9C34A0B0CCD}" type="datetimeFigureOut">
               <a:rPr lang="en-US" smtClean="0"/>
-              <a:t>3/26/2011</a:t>
+              <a:pPr/>
+              <a:t>3/29/2011</a:t>
             </a:fld>
             <a:endParaRPr lang="en-US"/>
           </a:p>
@@ -1984,6 +2001,7 @@
           <a:p>
             <a:fld id="{B90E65EE-76D8-4A6F-B9D8-14D84BC5CA4E}" type="slidenum">
               <a:rPr lang="en-US" smtClean="0"/>
+              <a:pPr/>
               <a:t>‹#›</a:t>
             </a:fld>
             <a:endParaRPr lang="en-US"/>
@@ -2214,7 +2232,8 @@
           <a:p>
             <a:fld id="{454ADC5A-39EA-4823-B25F-B9C34A0B0CCD}" type="datetimeFigureOut">
               <a:rPr lang="en-US" smtClean="0"/>
-              <a:t>3/26/2011</a:t>
+              <a:pPr/>
+              <a:t>3/29/2011</a:t>
             </a:fld>
             <a:endParaRPr lang="en-US"/>
           </a:p>
@@ -2256,6 +2275,7 @@
           <a:p>
             <a:fld id="{B90E65EE-76D8-4A6F-B9D8-14D84BC5CA4E}" type="slidenum">
               <a:rPr lang="en-US" smtClean="0"/>
+              <a:pPr/>
               <a:t>‹#›</a:t>
             </a:fld>
             <a:endParaRPr lang="en-US"/>
@@ -2462,7 +2482,8 @@
           <a:p>
             <a:fld id="{454ADC5A-39EA-4823-B25F-B9C34A0B0CCD}" type="datetimeFigureOut">
               <a:rPr lang="en-US" smtClean="0"/>
-              <a:t>3/26/2011</a:t>
+              <a:pPr/>
+              <a:t>3/29/2011</a:t>
             </a:fld>
             <a:endParaRPr lang="en-US"/>
           </a:p>
@@ -2504,6 +2525,7 @@
           <a:p>
             <a:fld id="{B90E65EE-76D8-4A6F-B9D8-14D84BC5CA4E}" type="slidenum">
               <a:rPr lang="en-US" smtClean="0"/>
+              <a:pPr/>
               <a:t>‹#›</a:t>
             </a:fld>
             <a:endParaRPr lang="en-US"/>
@@ -2670,7 +2692,8 @@
           <a:p>
             <a:fld id="{454ADC5A-39EA-4823-B25F-B9C34A0B0CCD}" type="datetimeFigureOut">
               <a:rPr lang="en-US" smtClean="0"/>
-              <a:t>3/26/2011</a:t>
+              <a:pPr/>
+              <a:t>3/29/2011</a:t>
             </a:fld>
             <a:endParaRPr lang="en-US"/>
           </a:p>
@@ -2748,6 +2771,7 @@
           <a:p>
             <a:fld id="{B90E65EE-76D8-4A6F-B9D8-14D84BC5CA4E}" type="slidenum">
               <a:rPr lang="en-US" smtClean="0"/>
+              <a:pPr/>
               <a:t>‹#›</a:t>
             </a:fld>
             <a:endParaRPr lang="en-US"/>
@@ -3492,7 +3516,7 @@
         </p:nvSpPr>
         <p:spPr>
           <a:xfrm>
-            <a:off x="2720782" y="4355068"/>
+            <a:off x="3124200" y="4355068"/>
             <a:ext cx="479618" cy="369332"/>
           </a:xfrm>
           <a:prstGeom prst="rect">
@@ -3807,7 +3831,7 @@
         </p:nvSpPr>
         <p:spPr>
           <a:xfrm>
-            <a:off x="1066800" y="4419600"/>
+            <a:off x="1752600" y="4419600"/>
             <a:ext cx="533400" cy="533400"/>
           </a:xfrm>
           <a:prstGeom prst="ellipse">
@@ -3879,7 +3903,7 @@
         </p:nvSpPr>
         <p:spPr>
           <a:xfrm>
-            <a:off x="3276600" y="4419600"/>
+            <a:off x="3657600" y="4419600"/>
             <a:ext cx="533400" cy="533400"/>
           </a:xfrm>
           <a:prstGeom prst="ellipse">
@@ -3951,7 +3975,7 @@
         </p:nvSpPr>
         <p:spPr>
           <a:xfrm>
-            <a:off x="1066800" y="5715000"/>
+            <a:off x="1752600" y="5715000"/>
             <a:ext cx="533400" cy="533400"/>
           </a:xfrm>
           <a:prstGeom prst="ellipse">
@@ -4023,7 +4047,7 @@
         </p:nvSpPr>
         <p:spPr>
           <a:xfrm>
-            <a:off x="3352800" y="5715000"/>
+            <a:off x="3733800" y="5715000"/>
             <a:ext cx="533400" cy="533400"/>
           </a:xfrm>
           <a:prstGeom prst="ellipse">
@@ -4095,7 +4119,7 @@
         </p:nvSpPr>
         <p:spPr>
           <a:xfrm>
-            <a:off x="5334000" y="5029200"/>
+            <a:off x="5486400" y="5029200"/>
             <a:ext cx="533400" cy="533400"/>
           </a:xfrm>
           <a:prstGeom prst="ellipse">
@@ -4211,6 +4235,16 @@
               </a:rPr>
               <a:t>s</a:t>
             </a:r>
+            <a:r>
+              <a:rPr lang="en-US" baseline="-25000" smtClean="0">
+                <a:solidFill>
+                  <a:schemeClr val="tx1"/>
+                </a:solidFill>
+                <a:latin typeface="Times New Roman" pitchFamily="18" charset="0"/>
+                <a:cs typeface="Times New Roman" pitchFamily="18" charset="0"/>
+              </a:rPr>
+              <a:t>in</a:t>
+            </a:r>
             <a:endParaRPr lang="en-US" baseline="-25000">
               <a:solidFill>
                 <a:schemeClr val="tx1"/>
@@ -4225,15 +4259,15 @@
         <p:nvCxnSpPr>
           <p:cNvPr id="42" name="Straight Arrow Connector 41"/>
           <p:cNvCxnSpPr>
-            <a:stCxn id="41" idx="7"/>
+            <a:stCxn id="58" idx="7"/>
             <a:endCxn id="36" idx="2"/>
           </p:cNvCxnSpPr>
           <p:nvPr/>
         </p:nvCxnSpPr>
         <p:spPr>
           <a:xfrm rot="5400000" flipH="1" flipV="1">
-            <a:off x="588635" y="4629151"/>
-            <a:ext cx="421015" cy="535315"/>
+            <a:off x="1312535" y="4667251"/>
+            <a:ext cx="421015" cy="459115"/>
           </a:xfrm>
           <a:prstGeom prst="straightConnector1">
             <a:avLst/>
@@ -4264,15 +4298,15 @@
         <p:nvCxnSpPr>
           <p:cNvPr id="43" name="Straight Arrow Connector 42"/>
           <p:cNvCxnSpPr>
-            <a:stCxn id="41" idx="5"/>
+            <a:stCxn id="58" idx="5"/>
             <a:endCxn id="38" idx="2"/>
           </p:cNvCxnSpPr>
           <p:nvPr/>
         </p:nvCxnSpPr>
         <p:spPr>
           <a:xfrm rot="16200000" flipH="1">
-            <a:off x="550535" y="5465434"/>
-            <a:ext cx="497215" cy="535315"/>
+            <a:off x="1274435" y="5503534"/>
+            <a:ext cx="497215" cy="459115"/>
           </a:xfrm>
           <a:prstGeom prst="straightConnector1">
             <a:avLst/>
@@ -4310,8 +4344,8 @@
         </p:nvCxnSpPr>
         <p:spPr>
           <a:xfrm>
-            <a:off x="1600200" y="5981700"/>
-            <a:ext cx="533400" cy="1588"/>
+            <a:off x="2286000" y="5981700"/>
+            <a:ext cx="304800" cy="1588"/>
           </a:xfrm>
           <a:prstGeom prst="straightConnector1">
             <a:avLst/>
@@ -4349,8 +4383,8 @@
         </p:nvCxnSpPr>
         <p:spPr>
           <a:xfrm rot="5400000" flipH="1" flipV="1">
-            <a:off x="2512685" y="4951085"/>
-            <a:ext cx="918230" cy="765830"/>
+            <a:off x="2931785" y="4989185"/>
+            <a:ext cx="918230" cy="689630"/>
           </a:xfrm>
           <a:prstGeom prst="straightConnector1">
             <a:avLst/>
@@ -4388,8 +4422,8 @@
         </p:nvCxnSpPr>
         <p:spPr>
           <a:xfrm>
-            <a:off x="1600200" y="4686300"/>
-            <a:ext cx="533400" cy="1588"/>
+            <a:off x="2286000" y="4686300"/>
+            <a:ext cx="304800" cy="1588"/>
           </a:xfrm>
           <a:prstGeom prst="straightConnector1">
             <a:avLst/>
@@ -4427,8 +4461,8 @@
         </p:nvCxnSpPr>
         <p:spPr>
           <a:xfrm>
-            <a:off x="3810000" y="4686300"/>
-            <a:ext cx="533400" cy="1588"/>
+            <a:off x="4191000" y="4686300"/>
+            <a:ext cx="304800" cy="1588"/>
           </a:xfrm>
           <a:prstGeom prst="straightConnector1">
             <a:avLst/>
@@ -4466,8 +4500,8 @@
         </p:nvCxnSpPr>
         <p:spPr>
           <a:xfrm>
-            <a:off x="3886200" y="5981700"/>
-            <a:ext cx="533400" cy="1588"/>
+            <a:off x="4267200" y="5981700"/>
+            <a:ext cx="304800" cy="1588"/>
           </a:xfrm>
           <a:prstGeom prst="straightConnector1">
             <a:avLst/>
@@ -4502,7 +4536,7 @@
         </p:nvSpPr>
         <p:spPr>
           <a:xfrm>
-            <a:off x="2133600" y="4419600"/>
+            <a:off x="2590800" y="4419600"/>
             <a:ext cx="533400" cy="533400"/>
           </a:xfrm>
           <a:prstGeom prst="ellipse">
@@ -4554,7 +4588,7 @@
                 <a:latin typeface="Times New Roman" pitchFamily="18" charset="0"/>
                 <a:cs typeface="Times New Roman" pitchFamily="18" charset="0"/>
               </a:rPr>
-              <a:t>1out</a:t>
+              <a:t>1	out</a:t>
             </a:r>
             <a:endParaRPr lang="en-US" baseline="-25000">
               <a:solidFill>
@@ -4782,7 +4816,7 @@
         </p:nvSpPr>
         <p:spPr>
           <a:xfrm>
-            <a:off x="1693198" y="4278868"/>
+            <a:off x="2226598" y="4278868"/>
             <a:ext cx="364202" cy="369332"/>
           </a:xfrm>
           <a:prstGeom prst="rect">
@@ -4837,8 +4871,8 @@
         </p:nvCxnSpPr>
         <p:spPr>
           <a:xfrm>
-            <a:off x="2667000" y="4686300"/>
-            <a:ext cx="609600" cy="1588"/>
+            <a:off x="3124200" y="4686300"/>
+            <a:ext cx="533400" cy="1588"/>
           </a:xfrm>
           <a:prstGeom prst="straightConnector1">
             <a:avLst/>
@@ -4873,7 +4907,7 @@
         </p:nvSpPr>
         <p:spPr>
           <a:xfrm>
-            <a:off x="2133600" y="5715000"/>
+            <a:off x="2590800" y="5715000"/>
             <a:ext cx="533400" cy="533400"/>
           </a:xfrm>
           <a:prstGeom prst="ellipse">
@@ -4948,8 +4982,8 @@
         </p:nvCxnSpPr>
         <p:spPr>
           <a:xfrm>
-            <a:off x="2667000" y="5981700"/>
-            <a:ext cx="685800" cy="1588"/>
+            <a:off x="3124200" y="5981700"/>
+            <a:ext cx="609600" cy="1588"/>
           </a:xfrm>
           <a:prstGeom prst="straightConnector1">
             <a:avLst/>
@@ -5036,7 +5070,7 @@
         </p:nvSpPr>
         <p:spPr>
           <a:xfrm>
-            <a:off x="2667000" y="4964668"/>
+            <a:off x="2949382" y="5117068"/>
             <a:ext cx="479618" cy="369332"/>
           </a:xfrm>
           <a:prstGeom prst="rect">
@@ -5068,7 +5102,7 @@
         </p:nvSpPr>
         <p:spPr>
           <a:xfrm>
-            <a:off x="2667000" y="5650468"/>
+            <a:off x="3177982" y="5650468"/>
             <a:ext cx="479618" cy="369332"/>
           </a:xfrm>
           <a:prstGeom prst="rect">
@@ -5100,7 +5134,7 @@
         </p:nvSpPr>
         <p:spPr>
           <a:xfrm>
-            <a:off x="1693198" y="5574268"/>
+            <a:off x="2226598" y="5574268"/>
             <a:ext cx="364202" cy="369332"/>
           </a:xfrm>
           <a:prstGeom prst="rect">
@@ -5152,7 +5186,7 @@
         </p:nvSpPr>
         <p:spPr>
           <a:xfrm>
-            <a:off x="4419600" y="5715000"/>
+            <a:off x="4572000" y="5715000"/>
             <a:ext cx="533400" cy="533400"/>
           </a:xfrm>
           <a:prstGeom prst="ellipse">
@@ -5224,7 +5258,7 @@
         </p:nvSpPr>
         <p:spPr>
           <a:xfrm>
-            <a:off x="4343400" y="4419600"/>
+            <a:off x="4495800" y="4419600"/>
             <a:ext cx="533400" cy="533400"/>
           </a:xfrm>
           <a:prstGeom prst="ellipse">
@@ -5296,7 +5330,7 @@
         </p:nvSpPr>
         <p:spPr>
           <a:xfrm>
-            <a:off x="3902998" y="4278868"/>
+            <a:off x="4131598" y="4278868"/>
             <a:ext cx="364202" cy="369332"/>
           </a:xfrm>
           <a:prstGeom prst="rect">
@@ -5348,7 +5382,7 @@
         </p:nvSpPr>
         <p:spPr>
           <a:xfrm>
-            <a:off x="3979198" y="5574268"/>
+            <a:off x="4207798" y="5574268"/>
             <a:ext cx="364202" cy="369332"/>
           </a:xfrm>
           <a:prstGeom prst="rect">
@@ -5403,7 +5437,7 @@
         </p:nvCxnSpPr>
         <p:spPr>
           <a:xfrm>
-            <a:off x="4876800" y="4686300"/>
+            <a:off x="5029200" y="4686300"/>
             <a:ext cx="535315" cy="421015"/>
           </a:xfrm>
           <a:prstGeom prst="straightConnector1">
@@ -5442,7 +5476,7 @@
         </p:nvCxnSpPr>
         <p:spPr>
           <a:xfrm flipV="1">
-            <a:off x="4953000" y="5484485"/>
+            <a:off x="5105400" y="5484485"/>
             <a:ext cx="459115" cy="497215"/>
           </a:xfrm>
           <a:prstGeom prst="straightConnector1">
@@ -5553,8 +5587,8 @@
         </p:nvCxnSpPr>
         <p:spPr>
           <a:xfrm>
-            <a:off x="5867400" y="5295900"/>
-            <a:ext cx="381000" cy="1588"/>
+            <a:off x="6019800" y="5295900"/>
+            <a:ext cx="228600" cy="1588"/>
           </a:xfrm>
           <a:prstGeom prst="straightConnector1">
             <a:avLst/>
@@ -5589,7 +5623,7 @@
         </p:nvSpPr>
         <p:spPr>
           <a:xfrm>
-            <a:off x="5867400" y="4888468"/>
+            <a:off x="5994061" y="4888468"/>
             <a:ext cx="330539" cy="369332"/>
           </a:xfrm>
           <a:prstGeom prst="rect">
@@ -5641,7 +5675,7 @@
         </p:nvSpPr>
         <p:spPr>
           <a:xfrm>
-            <a:off x="5029200" y="4572000"/>
+            <a:off x="5082982" y="4572000"/>
             <a:ext cx="479618" cy="369332"/>
           </a:xfrm>
           <a:prstGeom prst="rect">
@@ -5673,7 +5707,7 @@
         </p:nvSpPr>
         <p:spPr>
           <a:xfrm>
-            <a:off x="5105400" y="5574268"/>
+            <a:off x="5235382" y="5574268"/>
             <a:ext cx="479618" cy="369332"/>
           </a:xfrm>
           <a:prstGeom prst="rect">
@@ -5705,7 +5739,7 @@
         </p:nvSpPr>
         <p:spPr>
           <a:xfrm>
-            <a:off x="457200" y="4572000"/>
+            <a:off x="1120582" y="4648200"/>
             <a:ext cx="479618" cy="369332"/>
           </a:xfrm>
           <a:prstGeom prst="rect">
@@ -5737,7 +5771,7 @@
         </p:nvSpPr>
         <p:spPr>
           <a:xfrm>
-            <a:off x="609600" y="5410200"/>
+            <a:off x="1120582" y="5574268"/>
             <a:ext cx="479618" cy="369332"/>
           </a:xfrm>
           <a:prstGeom prst="rect">
@@ -5758,6 +5792,169 @@
               </a:rPr>
               <a:t>+∞</a:t>
             </a:r>
+          </a:p>
+        </p:txBody>
+      </p:sp>
+      <p:sp>
+        <p:nvSpPr>
+          <p:cNvPr id="58" name="Oval 57"/>
+          <p:cNvSpPr/>
+          <p:nvPr/>
+        </p:nvSpPr>
+        <p:spPr>
+          <a:xfrm>
+            <a:off x="838200" y="5029200"/>
+            <a:ext cx="533400" cy="533400"/>
+          </a:xfrm>
+          <a:prstGeom prst="ellipse">
+            <a:avLst/>
+          </a:prstGeom>
+          <a:noFill/>
+          <a:ln>
+            <a:solidFill>
+              <a:schemeClr val="tx1"/>
+            </a:solidFill>
+          </a:ln>
+        </p:spPr>
+        <p:style>
+          <a:lnRef idx="2">
+            <a:schemeClr val="accent1">
+              <a:shade val="50000"/>
+            </a:schemeClr>
+          </a:lnRef>
+          <a:fillRef idx="1">
+            <a:schemeClr val="accent1"/>
+          </a:fillRef>
+          <a:effectRef idx="0">
+            <a:schemeClr val="accent1"/>
+          </a:effectRef>
+          <a:fontRef idx="minor">
+            <a:schemeClr val="lt1"/>
+          </a:fontRef>
+        </p:style>
+        <p:txBody>
+          <a:bodyPr wrap="none" rtlCol="0" anchor="ctr"/>
+          <a:lstStyle/>
+          <a:p>
+            <a:pPr algn="ctr"/>
+            <a:r>
+              <a:rPr lang="en-US" sz="2400" i="1" smtClean="0">
+                <a:solidFill>
+                  <a:schemeClr val="tx1"/>
+                </a:solidFill>
+                <a:latin typeface="Times New Roman" pitchFamily="18" charset="0"/>
+                <a:cs typeface="Times New Roman" pitchFamily="18" charset="0"/>
+              </a:rPr>
+              <a:t>s</a:t>
+            </a:r>
+            <a:r>
+              <a:rPr lang="en-US" baseline="-25000" smtClean="0">
+                <a:solidFill>
+                  <a:schemeClr val="tx1"/>
+                </a:solidFill>
+                <a:latin typeface="Times New Roman" pitchFamily="18" charset="0"/>
+                <a:cs typeface="Times New Roman" pitchFamily="18" charset="0"/>
+              </a:rPr>
+              <a:t>out</a:t>
+            </a:r>
+            <a:endParaRPr lang="en-US" baseline="-25000">
+              <a:solidFill>
+                <a:schemeClr val="tx1"/>
+              </a:solidFill>
+              <a:latin typeface="Times New Roman" pitchFamily="18" charset="0"/>
+              <a:cs typeface="Times New Roman" pitchFamily="18" charset="0"/>
+            </a:endParaRPr>
+          </a:p>
+        </p:txBody>
+      </p:sp>
+      <p:cxnSp>
+        <p:nvCxnSpPr>
+          <p:cNvPr id="59" name="Straight Arrow Connector 58"/>
+          <p:cNvCxnSpPr>
+            <a:stCxn id="41" idx="6"/>
+            <a:endCxn id="58" idx="2"/>
+          </p:cNvCxnSpPr>
+          <p:nvPr/>
+        </p:nvCxnSpPr>
+        <p:spPr>
+          <a:xfrm>
+            <a:off x="609600" y="5295900"/>
+            <a:ext cx="228600" cy="1588"/>
+          </a:xfrm>
+          <a:prstGeom prst="straightConnector1">
+            <a:avLst/>
+          </a:prstGeom>
+          <a:ln w="19050">
+            <a:solidFill>
+              <a:schemeClr val="tx1"/>
+            </a:solidFill>
+            <a:tailEnd type="triangle" w="med" len="lg"/>
+          </a:ln>
+        </p:spPr>
+        <p:style>
+          <a:lnRef idx="1">
+            <a:schemeClr val="accent1"/>
+          </a:lnRef>
+          <a:fillRef idx="0">
+            <a:schemeClr val="accent1"/>
+          </a:fillRef>
+          <a:effectRef idx="0">
+            <a:schemeClr val="accent1"/>
+          </a:effectRef>
+          <a:fontRef idx="minor">
+            <a:schemeClr val="tx1"/>
+          </a:fontRef>
+        </p:style>
+      </p:cxnSp>
+      <p:sp>
+        <p:nvSpPr>
+          <p:cNvPr id="65" name="Rectangle 64"/>
+          <p:cNvSpPr/>
+          <p:nvPr/>
+        </p:nvSpPr>
+        <p:spPr>
+          <a:xfrm>
+            <a:off x="575846" y="4888468"/>
+            <a:ext cx="346570" cy="369332"/>
+          </a:xfrm>
+          <a:prstGeom prst="rect">
+            <a:avLst/>
+          </a:prstGeom>
+        </p:spPr>
+        <p:txBody>
+          <a:bodyPr wrap="none">
+            <a:spAutoFit/>
+          </a:bodyPr>
+          <a:lstStyle/>
+          <a:p>
+            <a:pPr lvl="0" algn="ctr"/>
+            <a:r>
+              <a:rPr lang="en-US" i="1" smtClean="0">
+                <a:solidFill>
+                  <a:prstClr val="black"/>
+                </a:solidFill>
+                <a:latin typeface="Times New Roman" pitchFamily="18" charset="0"/>
+                <a:cs typeface="Times New Roman" pitchFamily="18" charset="0"/>
+              </a:rPr>
+              <a:t>c</a:t>
+            </a:r>
+            <a:r>
+              <a:rPr lang="en-US" i="1" baseline="-25000" smtClean="0">
+                <a:solidFill>
+                  <a:prstClr val="black"/>
+                </a:solidFill>
+                <a:latin typeface="Times New Roman" pitchFamily="18" charset="0"/>
+                <a:cs typeface="Times New Roman" pitchFamily="18" charset="0"/>
+              </a:rPr>
+              <a:t>s</a:t>
+            </a:r>
+            <a:endParaRPr lang="en-US" i="1" baseline="-25000">
+              <a:solidFill>
+                <a:prstClr val="black"/>
+              </a:solidFill>
+              <a:latin typeface="Times New Roman" pitchFamily="18" charset="0"/>
+              <a:cs typeface="Times New Roman" pitchFamily="18" charset="0"/>
+            </a:endParaRPr>
           </a:p>
         </p:txBody>
       </p:sp>
